--- a/Proposed Ideas.pptx
+++ b/Proposed Ideas.pptx
@@ -5,10 +5,10 @@
     <p:sldMasterId id="2147483727" r:id="rId4"/>
   </p:sldMasterIdLst>
   <p:notesMasterIdLst>
-    <p:notesMasterId r:id="rId12"/>
+    <p:notesMasterId r:id="rId13"/>
   </p:notesMasterIdLst>
   <p:handoutMasterIdLst>
-    <p:handoutMasterId r:id="rId13"/>
+    <p:handoutMasterId r:id="rId14"/>
   </p:handoutMasterIdLst>
   <p:sldIdLst>
     <p:sldId id="256" r:id="rId5"/>
@@ -18,6 +18,7 @@
     <p:sldId id="260" r:id="rId9"/>
     <p:sldId id="261" r:id="rId10"/>
     <p:sldId id="262" r:id="rId11"/>
+    <p:sldId id="263" r:id="rId12"/>
   </p:sldIdLst>
   <p:sldSz cx="12192000" cy="6858000"/>
   <p:notesSz cx="6858000" cy="9144000"/>
@@ -7255,6 +7256,112 @@
     <p:extLst>
       <p:ext uri="{BB962C8B-B14F-4D97-AF65-F5344CB8AC3E}">
         <p14:creationId xmlns:p14="http://schemas.microsoft.com/office/powerpoint/2010/main" val="2429286346"/>
+      </p:ext>
+    </p:extLst>
+  </p:cSld>
+  <p:clrMapOvr>
+    <a:masterClrMapping/>
+  </p:clrMapOvr>
+</p:sld>
+</file>
+
+<file path=ppt/slides/slide8.xml><?xml version="1.0" encoding="utf-8"?>
+<p:sld xmlns:a="http://schemas.openxmlformats.org/drawingml/2006/main" xmlns:r="http://schemas.openxmlformats.org/officeDocument/2006/relationships" xmlns:p="http://schemas.openxmlformats.org/presentationml/2006/main">
+  <p:cSld>
+    <p:spTree>
+      <p:nvGrpSpPr>
+        <p:cNvPr id="1" name=""/>
+        <p:cNvGrpSpPr/>
+        <p:nvPr/>
+      </p:nvGrpSpPr>
+      <p:grpSpPr>
+        <a:xfrm>
+          <a:off x="0" y="0"/>
+          <a:ext cx="0" cy="0"/>
+          <a:chOff x="0" y="0"/>
+          <a:chExt cx="0" cy="0"/>
+        </a:xfrm>
+      </p:grpSpPr>
+      <p:sp>
+        <p:nvSpPr>
+          <p:cNvPr id="4" name="Slide Number Placeholder 3">
+            <a:extLst>
+              <a:ext uri="{FF2B5EF4-FFF2-40B4-BE49-F238E27FC236}">
+                <a16:creationId xmlns:a16="http://schemas.microsoft.com/office/drawing/2014/main" id="{EE4C6EF2-ACB7-A4B3-8C32-D568D970EFC0}"/>
+              </a:ext>
+            </a:extLst>
+          </p:cNvPr>
+          <p:cNvSpPr>
+            <a:spLocks noGrp="1"/>
+          </p:cNvSpPr>
+          <p:nvPr>
+            <p:ph type="sldNum" sz="quarter" idx="12"/>
+          </p:nvPr>
+        </p:nvSpPr>
+        <p:spPr/>
+        <p:txBody>
+          <a:bodyPr/>
+          <a:lstStyle/>
+          <a:p>
+            <a:fld id="{D57F1E4F-1CFF-5643-939E-02111984F565}" type="slidenum">
+              <a:rPr lang="en-US" smtClean="0"/>
+              <a:pPr/>
+              <a:t>8</a:t>
+            </a:fld>
+            <a:endParaRPr lang="en-US" dirty="0"/>
+          </a:p>
+        </p:txBody>
+      </p:sp>
+      <p:pic>
+        <p:nvPicPr>
+          <p:cNvPr id="6" name="Picture 5">
+            <a:extLst>
+              <a:ext uri="{FF2B5EF4-FFF2-40B4-BE49-F238E27FC236}">
+                <a16:creationId xmlns:a16="http://schemas.microsoft.com/office/drawing/2014/main" id="{7514727C-813D-59ED-6B54-78236DC934D0}"/>
+              </a:ext>
+            </a:extLst>
+          </p:cNvPr>
+          <p:cNvPicPr>
+            <a:picLocks noChangeAspect="1"/>
+          </p:cNvPicPr>
+          <p:nvPr/>
+        </p:nvPicPr>
+        <p:blipFill>
+          <a:blip r:embed="rId2">
+            <a:alphaModFix amt="70000"/>
+            <a:extLst>
+              <a:ext uri="{BEBA8EAE-BF5A-486C-A8C5-ECC9F3942E4B}">
+                <a14:imgProps xmlns:a14="http://schemas.microsoft.com/office/drawing/2010/main">
+                  <a14:imgLayer r:embed="rId3">
+                    <a14:imgEffect>
+                      <a14:artisticTexturizer/>
+                    </a14:imgEffect>
+                  </a14:imgLayer>
+                </a14:imgProps>
+              </a:ext>
+              <a:ext uri="{837473B0-CC2E-450A-ABE3-18F120FF3D39}">
+                <a1611:picAttrSrcUrl xmlns:a1611="http://schemas.microsoft.com/office/drawing/2016/11/main" r:id="rId4"/>
+              </a:ext>
+            </a:extLst>
+          </a:blip>
+          <a:stretch>
+            <a:fillRect/>
+          </a:stretch>
+        </p:blipFill>
+        <p:spPr>
+          <a:xfrm>
+            <a:off x="3114675" y="1319212"/>
+            <a:ext cx="5962650" cy="4219575"/>
+          </a:xfrm>
+          <a:prstGeom prst="rect">
+            <a:avLst/>
+          </a:prstGeom>
+        </p:spPr>
+      </p:pic>
+    </p:spTree>
+    <p:extLst>
+      <p:ext uri="{BB962C8B-B14F-4D97-AF65-F5344CB8AC3E}">
+        <p14:creationId xmlns:p14="http://schemas.microsoft.com/office/powerpoint/2010/main" val="2755553199"/>
       </p:ext>
     </p:extLst>
   </p:cSld>
